--- a/Banking_EDA_Skeleton.pptx
+++ b/Banking_EDA_Skeleton.pptx
@@ -109,6 +109,50 @@
     </a:lvl9pPr>
   </p:defaultTextStyle>
 </p:presentation>
+</file>
+
+<file path=ppt/changesInfos/changesInfo1.xml><?xml version="1.0" encoding="utf-8"?>
+<pc:chgInfo xmlns:a="http://schemas.openxmlformats.org/drawingml/2006/main" xmlns:r="http://schemas.openxmlformats.org/officeDocument/2006/relationships" xmlns:ac="http://schemas.microsoft.com/office/drawing/2013/main/command" xmlns:pc="http://schemas.microsoft.com/office/powerpoint/2013/main/command">
+  <pc:docChgLst>
+    <pc:chgData name="London Thomson-Merriman" userId="b58f06f2fbde715b" providerId="LiveId" clId="{15B50B51-5699-444E-823D-FB5D40B8EE4B}"/>
+    <pc:docChg chg="modSld">
+      <pc:chgData name="London Thomson-Merriman" userId="b58f06f2fbde715b" providerId="LiveId" clId="{15B50B51-5699-444E-823D-FB5D40B8EE4B}" dt="2023-07-28T16:47:46.969" v="216" actId="20577"/>
+      <pc:docMkLst>
+        <pc:docMk/>
+      </pc:docMkLst>
+      <pc:sldChg chg="modSp mod">
+        <pc:chgData name="London Thomson-Merriman" userId="b58f06f2fbde715b" providerId="LiveId" clId="{15B50B51-5699-444E-823D-FB5D40B8EE4B}" dt="2023-07-28T16:45:12.645" v="139" actId="20577"/>
+        <pc:sldMkLst>
+          <pc:docMk/>
+          <pc:sldMk cId="909862315" sldId="257"/>
+        </pc:sldMkLst>
+        <pc:spChg chg="mod">
+          <ac:chgData name="London Thomson-Merriman" userId="b58f06f2fbde715b" providerId="LiveId" clId="{15B50B51-5699-444E-823D-FB5D40B8EE4B}" dt="2023-07-28T16:45:12.645" v="139" actId="20577"/>
+          <ac:spMkLst>
+            <pc:docMk/>
+            <pc:sldMk cId="909862315" sldId="257"/>
+            <ac:spMk id="3" creationId="{B59F2C7F-F4F4-0BBE-10DC-21A627A34405}"/>
+          </ac:spMkLst>
+        </pc:spChg>
+      </pc:sldChg>
+      <pc:sldChg chg="modSp mod">
+        <pc:chgData name="London Thomson-Merriman" userId="b58f06f2fbde715b" providerId="LiveId" clId="{15B50B51-5699-444E-823D-FB5D40B8EE4B}" dt="2023-07-28T16:47:46.969" v="216" actId="20577"/>
+        <pc:sldMkLst>
+          <pc:docMk/>
+          <pc:sldMk cId="3326424207" sldId="258"/>
+        </pc:sldMkLst>
+        <pc:spChg chg="mod">
+          <ac:chgData name="London Thomson-Merriman" userId="b58f06f2fbde715b" providerId="LiveId" clId="{15B50B51-5699-444E-823D-FB5D40B8EE4B}" dt="2023-07-28T16:47:46.969" v="216" actId="20577"/>
+          <ac:spMkLst>
+            <pc:docMk/>
+            <pc:sldMk cId="3326424207" sldId="258"/>
+            <ac:spMk id="3" creationId="{AC9EA7F9-1605-0E6D-1C8F-5077F7383D20}"/>
+          </ac:spMkLst>
+        </pc:spChg>
+      </pc:sldChg>
+    </pc:docChg>
+  </pc:docChgLst>
+</pc:chgInfo>
 </file>
 
 <file path=ppt/slideLayouts/slideLayout1.xml><?xml version="1.0" encoding="utf-8"?>
@@ -5080,7 +5124,7 @@
           <a:p>
             <a:r>
               <a:rPr lang="en-US" dirty="0"/>
-              <a:t>Null Hypothesis (H0): There is no significant difference in the effect of individual features on the target variable.</a:t>
+              <a:t>Null Hypothesis (H0): There is no significant difference the effect of loan length has on the interest rate.</a:t>
             </a:r>
           </a:p>
           <a:p>
@@ -5092,7 +5136,7 @@
           <a:p>
             <a:r>
               <a:rPr lang="en-US" dirty="0"/>
-              <a:t>Alternative Hypothesis (H1): There is a significant difference in the effect of at least one feature on the target variable.</a:t>
+              <a:t>Alternative Hypothesis (H1): There is a significant difference the effect of loan length has on interest rates.</a:t>
             </a:r>
           </a:p>
         </p:txBody>
@@ -5185,7 +5229,7 @@
             <a:pPr lvl="1"/>
             <a:r>
               <a:rPr lang="en-US" dirty="0"/>
-              <a:t>All of them</a:t>
+              <a:t>Interest rate as the target and Loan Length as the feature</a:t>
             </a:r>
           </a:p>
           <a:p>
@@ -5430,15 +5474,7 @@
             <a:pPr lvl="1"/>
             <a:r>
               <a:rPr lang="en-US" dirty="0"/>
-              <a:t>Austin Youngblood </a:t>
-            </a:r>
-            <a:r>
-              <a:rPr lang="en-US"/>
-              <a:t>- Austin</a:t>
-            </a:r>
-            <a:r>
-              <a:rPr lang="en-US" dirty="0"/>
-              <a:t>.m.youngblood@gmail.com</a:t>
+              <a:t>Austin Youngblood - Austin.m.youngblood@gmail.com</a:t>
             </a:r>
           </a:p>
           <a:p>
